--- a/LTI_Angular/PPT/Angularfeatures.pptx
+++ b/LTI_Angular/PPT/Angularfeatures.pptx
@@ -756,7 +756,7 @@
           <a:p>
             <a:fld id="{D2474CCF-98B4-411A-8810-C31E8C29E19B}" type="datetimeFigureOut">
               <a:rPr lang="en-US" smtClean="0"/>
-              <a:t>3/31/2022</a:t>
+              <a:t>9/14/2022</a:t>
             </a:fld>
             <a:endParaRPr lang="en-US"/>
           </a:p>
@@ -1184,7 +1184,7 @@
           <a:p>
             <a:fld id="{D2474CCF-98B4-411A-8810-C31E8C29E19B}" type="datetimeFigureOut">
               <a:rPr lang="en-US" smtClean="0"/>
-              <a:t>3/31/2022</a:t>
+              <a:t>9/14/2022</a:t>
             </a:fld>
             <a:endParaRPr lang="en-US"/>
           </a:p>
@@ -1392,7 +1392,7 @@
           <a:p>
             <a:fld id="{D2474CCF-98B4-411A-8810-C31E8C29E19B}" type="datetimeFigureOut">
               <a:rPr lang="en-US" smtClean="0"/>
-              <a:t>3/31/2022</a:t>
+              <a:t>9/14/2022</a:t>
             </a:fld>
             <a:endParaRPr lang="en-US"/>
           </a:p>
@@ -2168,7 +2168,7 @@
           <a:p>
             <a:fld id="{D2474CCF-98B4-411A-8810-C31E8C29E19B}" type="datetimeFigureOut">
               <a:rPr lang="en-US" smtClean="0"/>
-              <a:t>3/31/2022</a:t>
+              <a:t>9/14/2022</a:t>
             </a:fld>
             <a:endParaRPr lang="en-US"/>
           </a:p>
@@ -2846,7 +2846,7 @@
           <a:p>
             <a:fld id="{D2474CCF-98B4-411A-8810-C31E8C29E19B}" type="datetimeFigureOut">
               <a:rPr lang="en-US" smtClean="0"/>
-              <a:t>3/31/2022</a:t>
+              <a:t>9/14/2022</a:t>
             </a:fld>
             <a:endParaRPr lang="en-US"/>
           </a:p>
@@ -3537,7 +3537,7 @@
           <a:p>
             <a:fld id="{D2474CCF-98B4-411A-8810-C31E8C29E19B}" type="datetimeFigureOut">
               <a:rPr lang="en-US" smtClean="0"/>
-              <a:t>3/31/2022</a:t>
+              <a:t>9/14/2022</a:t>
             </a:fld>
             <a:endParaRPr lang="en-US"/>
           </a:p>
@@ -4339,7 +4339,7 @@
           <a:p>
             <a:fld id="{D2474CCF-98B4-411A-8810-C31E8C29E19B}" type="datetimeFigureOut">
               <a:rPr lang="en-US" smtClean="0"/>
-              <a:t>3/31/2022</a:t>
+              <a:t>9/14/2022</a:t>
             </a:fld>
             <a:endParaRPr lang="en-US"/>
           </a:p>
@@ -4870,7 +4870,7 @@
           <a:p>
             <a:fld id="{D2474CCF-98B4-411A-8810-C31E8C29E19B}" type="datetimeFigureOut">
               <a:rPr lang="en-US" smtClean="0"/>
-              <a:t>3/31/2022</a:t>
+              <a:t>9/14/2022</a:t>
             </a:fld>
             <a:endParaRPr lang="en-US"/>
           </a:p>
@@ -5373,7 +5373,7 @@
           <a:p>
             <a:fld id="{D2474CCF-98B4-411A-8810-C31E8C29E19B}" type="datetimeFigureOut">
               <a:rPr lang="en-US" smtClean="0"/>
-              <a:t>3/31/2022</a:t>
+              <a:t>9/14/2022</a:t>
             </a:fld>
             <a:endParaRPr lang="en-US"/>
           </a:p>
@@ -5684,7 +5684,7 @@
           <a:p>
             <a:fld id="{D2474CCF-98B4-411A-8810-C31E8C29E19B}" type="datetimeFigureOut">
               <a:rPr lang="en-US" smtClean="0"/>
-              <a:t>3/31/2022</a:t>
+              <a:t>9/14/2022</a:t>
             </a:fld>
             <a:endParaRPr lang="en-US"/>
           </a:p>
@@ -5975,7 +5975,7 @@
           <a:p>
             <a:fld id="{D2474CCF-98B4-411A-8810-C31E8C29E19B}" type="datetimeFigureOut">
               <a:rPr lang="en-US" smtClean="0"/>
-              <a:t>3/31/2022</a:t>
+              <a:t>9/14/2022</a:t>
             </a:fld>
             <a:endParaRPr lang="en-US"/>
           </a:p>
@@ -6216,7 +6216,7 @@
           <a:p>
             <a:fld id="{D2474CCF-98B4-411A-8810-C31E8C29E19B}" type="datetimeFigureOut">
               <a:rPr lang="en-US" smtClean="0"/>
-              <a:t>3/31/2022</a:t>
+              <a:t>9/14/2022</a:t>
             </a:fld>
             <a:endParaRPr lang="en-US"/>
           </a:p>
@@ -8084,8 +8084,8 @@
         </p:blipFill>
         <p:spPr>
           <a:xfrm>
-            <a:off x="7167027" y="958788"/>
-            <a:ext cx="4356189" cy="5157927"/>
+            <a:off x="6844683" y="958788"/>
+            <a:ext cx="4678533" cy="5157927"/>
           </a:xfrm>
           <a:prstGeom prst="rect">
             <a:avLst/>
@@ -8905,34 +8905,6 @@
       </p:grpSpPr>
       <p:sp>
         <p:nvSpPr>
-          <p:cNvPr id="2" name="Title 1">
-            <a:extLst>
-              <a:ext uri="{FF2B5EF4-FFF2-40B4-BE49-F238E27FC236}">
-                <a16:creationId xmlns:a16="http://schemas.microsoft.com/office/drawing/2014/main" id="{45F33AFC-C220-4038-ACF0-E5D4B3B57FD0}"/>
-              </a:ext>
-            </a:extLst>
-          </p:cNvPr>
-          <p:cNvSpPr>
-            <a:spLocks noGrp="1"/>
-          </p:cNvSpPr>
-          <p:nvPr>
-            <p:ph type="title"/>
-          </p:nvPr>
-        </p:nvSpPr>
-        <p:spPr/>
-        <p:txBody>
-          <a:bodyPr/>
-          <a:lstStyle/>
-          <a:p>
-            <a:r>
-              <a:rPr lang="en-US" dirty="0"/>
-              <a:t>Slides</a:t>
-            </a:r>
-          </a:p>
-        </p:txBody>
-      </p:sp>
-      <p:sp>
-        <p:nvSpPr>
           <p:cNvPr id="4" name="Content Placeholder 3">
             <a:extLst>
               <a:ext uri="{FF2B5EF4-FFF2-40B4-BE49-F238E27FC236}">
@@ -9124,34 +9096,6 @@
       </p:grpSpPr>
       <p:sp>
         <p:nvSpPr>
-          <p:cNvPr id="2" name="Title 1">
-            <a:extLst>
-              <a:ext uri="{FF2B5EF4-FFF2-40B4-BE49-F238E27FC236}">
-                <a16:creationId xmlns:a16="http://schemas.microsoft.com/office/drawing/2014/main" id="{45F33AFC-C220-4038-ACF0-E5D4B3B57FD0}"/>
-              </a:ext>
-            </a:extLst>
-          </p:cNvPr>
-          <p:cNvSpPr>
-            <a:spLocks noGrp="1"/>
-          </p:cNvSpPr>
-          <p:nvPr>
-            <p:ph type="title"/>
-          </p:nvPr>
-        </p:nvSpPr>
-        <p:spPr/>
-        <p:txBody>
-          <a:bodyPr/>
-          <a:lstStyle/>
-          <a:p>
-            <a:r>
-              <a:rPr lang="en-US" dirty="0"/>
-              <a:t>Slides</a:t>
-            </a:r>
-          </a:p>
-        </p:txBody>
-      </p:sp>
-      <p:sp>
-        <p:nvSpPr>
           <p:cNvPr id="4" name="Content Placeholder 3">
             <a:extLst>
               <a:ext uri="{FF2B5EF4-FFF2-40B4-BE49-F238E27FC236}">
@@ -9480,34 +9424,6 @@
       </p:grpSpPr>
       <p:sp>
         <p:nvSpPr>
-          <p:cNvPr id="2" name="Title 1">
-            <a:extLst>
-              <a:ext uri="{FF2B5EF4-FFF2-40B4-BE49-F238E27FC236}">
-                <a16:creationId xmlns:a16="http://schemas.microsoft.com/office/drawing/2014/main" id="{45F33AFC-C220-4038-ACF0-E5D4B3B57FD0}"/>
-              </a:ext>
-            </a:extLst>
-          </p:cNvPr>
-          <p:cNvSpPr>
-            <a:spLocks noGrp="1"/>
-          </p:cNvSpPr>
-          <p:nvPr>
-            <p:ph type="title"/>
-          </p:nvPr>
-        </p:nvSpPr>
-        <p:spPr/>
-        <p:txBody>
-          <a:bodyPr/>
-          <a:lstStyle/>
-          <a:p>
-            <a:r>
-              <a:rPr lang="en-US" dirty="0"/>
-              <a:t>Slides</a:t>
-            </a:r>
-          </a:p>
-        </p:txBody>
-      </p:sp>
-      <p:sp>
-        <p:nvSpPr>
           <p:cNvPr id="4" name="Content Placeholder 3">
             <a:extLst>
               <a:ext uri="{FF2B5EF4-FFF2-40B4-BE49-F238E27FC236}">
@@ -12582,7 +12498,7 @@
         </p:nvSpPr>
         <p:spPr bwMode="auto">
           <a:xfrm>
-            <a:off x="3837282" y="372257"/>
+            <a:off x="3934466" y="278160"/>
             <a:ext cx="7681260" cy="3970318"/>
           </a:xfrm>
           <a:prstGeom prst="rect">
